--- a/Presentazione standard2 (1).pptx
+++ b/Presentazione standard2 (1).pptx
@@ -12,7 +12,12 @@
     <p:sldId id="264" r:id="rId6"/>
     <p:sldId id="266" r:id="rId7"/>
     <p:sldId id="267" r:id="rId8"/>
-    <p:sldId id="265" r:id="rId9"/>
+    <p:sldId id="273" r:id="rId9"/>
+    <p:sldId id="265" r:id="rId10"/>
+    <p:sldId id="272" r:id="rId11"/>
+    <p:sldId id="269" r:id="rId12"/>
+    <p:sldId id="271" r:id="rId13"/>
+    <p:sldId id="270" r:id="rId14"/>
   </p:sldIdLst>
   <p:sldSz cx="12192000" cy="6858000"/>
   <p:notesSz cx="6858000" cy="9144000"/>
@@ -248,7 +253,7 @@
           <a:p>
             <a:fld id="{B2D47D83-CD91-44FD-9870-60B2E5CCA354}" type="datetimeFigureOut">
               <a:rPr lang="it-IT" smtClean="0"/>
-              <a:t>19/07/21</a:t>
+              <a:t>20/07/21</a:t>
             </a:fld>
             <a:endParaRPr lang="it-IT"/>
           </a:p>
@@ -416,7 +421,7 @@
           <a:p>
             <a:fld id="{B2D47D83-CD91-44FD-9870-60B2E5CCA354}" type="datetimeFigureOut">
               <a:rPr lang="it-IT" smtClean="0"/>
-              <a:t>19/07/21</a:t>
+              <a:t>20/07/21</a:t>
             </a:fld>
             <a:endParaRPr lang="it-IT"/>
           </a:p>
@@ -594,7 +599,7 @@
           <a:p>
             <a:fld id="{B2D47D83-CD91-44FD-9870-60B2E5CCA354}" type="datetimeFigureOut">
               <a:rPr lang="it-IT" smtClean="0"/>
-              <a:t>19/07/21</a:t>
+              <a:t>20/07/21</a:t>
             </a:fld>
             <a:endParaRPr lang="it-IT"/>
           </a:p>
@@ -762,7 +767,7 @@
           <a:p>
             <a:fld id="{B2D47D83-CD91-44FD-9870-60B2E5CCA354}" type="datetimeFigureOut">
               <a:rPr lang="it-IT" smtClean="0"/>
-              <a:t>19/07/21</a:t>
+              <a:t>20/07/21</a:t>
             </a:fld>
             <a:endParaRPr lang="it-IT"/>
           </a:p>
@@ -1007,7 +1012,7 @@
           <a:p>
             <a:fld id="{B2D47D83-CD91-44FD-9870-60B2E5CCA354}" type="datetimeFigureOut">
               <a:rPr lang="it-IT" smtClean="0"/>
-              <a:t>19/07/21</a:t>
+              <a:t>20/07/21</a:t>
             </a:fld>
             <a:endParaRPr lang="it-IT"/>
           </a:p>
@@ -1236,7 +1241,7 @@
           <a:p>
             <a:fld id="{B2D47D83-CD91-44FD-9870-60B2E5CCA354}" type="datetimeFigureOut">
               <a:rPr lang="it-IT" smtClean="0"/>
-              <a:t>19/07/21</a:t>
+              <a:t>20/07/21</a:t>
             </a:fld>
             <a:endParaRPr lang="it-IT"/>
           </a:p>
@@ -1600,7 +1605,7 @@
           <a:p>
             <a:fld id="{B2D47D83-CD91-44FD-9870-60B2E5CCA354}" type="datetimeFigureOut">
               <a:rPr lang="it-IT" smtClean="0"/>
-              <a:t>19/07/21</a:t>
+              <a:t>20/07/21</a:t>
             </a:fld>
             <a:endParaRPr lang="it-IT"/>
           </a:p>
@@ -1717,7 +1722,7 @@
           <a:p>
             <a:fld id="{B2D47D83-CD91-44FD-9870-60B2E5CCA354}" type="datetimeFigureOut">
               <a:rPr lang="it-IT" smtClean="0"/>
-              <a:t>19/07/21</a:t>
+              <a:t>20/07/21</a:t>
             </a:fld>
             <a:endParaRPr lang="it-IT"/>
           </a:p>
@@ -1812,7 +1817,7 @@
           <a:p>
             <a:fld id="{B2D47D83-CD91-44FD-9870-60B2E5CCA354}" type="datetimeFigureOut">
               <a:rPr lang="it-IT" smtClean="0"/>
-              <a:t>19/07/21</a:t>
+              <a:t>20/07/21</a:t>
             </a:fld>
             <a:endParaRPr lang="it-IT"/>
           </a:p>
@@ -2087,7 +2092,7 @@
           <a:p>
             <a:fld id="{B2D47D83-CD91-44FD-9870-60B2E5CCA354}" type="datetimeFigureOut">
               <a:rPr lang="it-IT" smtClean="0"/>
-              <a:t>19/07/21</a:t>
+              <a:t>20/07/21</a:t>
             </a:fld>
             <a:endParaRPr lang="it-IT"/>
           </a:p>
@@ -2339,7 +2344,7 @@
           <a:p>
             <a:fld id="{B2D47D83-CD91-44FD-9870-60B2E5CCA354}" type="datetimeFigureOut">
               <a:rPr lang="it-IT" smtClean="0"/>
-              <a:t>19/07/21</a:t>
+              <a:t>20/07/21</a:t>
             </a:fld>
             <a:endParaRPr lang="it-IT"/>
           </a:p>
@@ -2553,7 +2558,7 @@
           <a:p>
             <a:fld id="{B2D47D83-CD91-44FD-9870-60B2E5CCA354}" type="datetimeFigureOut">
               <a:rPr lang="it-IT" smtClean="0"/>
-              <a:t>19/07/21</a:t>
+              <a:t>20/07/21</a:t>
             </a:fld>
             <a:endParaRPr lang="it-IT"/>
           </a:p>
@@ -3163,6 +3168,632 @@
 </p:sld>
 </file>
 
+<file path=ppt/slides/slide10.xml><?xml version="1.0" encoding="utf-8"?>
+<p:sld xmlns:a="http://schemas.openxmlformats.org/drawingml/2006/main" xmlns:r="http://schemas.openxmlformats.org/officeDocument/2006/relationships" xmlns:p="http://schemas.openxmlformats.org/presentationml/2006/main">
+  <p:cSld>
+    <p:spTree>
+      <p:nvGrpSpPr>
+        <p:cNvPr id="1" name=""/>
+        <p:cNvGrpSpPr/>
+        <p:nvPr/>
+      </p:nvGrpSpPr>
+      <p:grpSpPr>
+        <a:xfrm>
+          <a:off x="0" y="0"/>
+          <a:ext cx="0" cy="0"/>
+          <a:chOff x="0" y="0"/>
+          <a:chExt cx="0" cy="0"/>
+        </a:xfrm>
+      </p:grpSpPr>
+      <p:pic>
+        <p:nvPicPr>
+          <p:cNvPr id="3" name="Immagine 2">
+            <a:extLst>
+              <a:ext uri="{FF2B5EF4-FFF2-40B4-BE49-F238E27FC236}">
+                <a16:creationId xmlns:a16="http://schemas.microsoft.com/office/drawing/2014/main" id="{6C635301-39B3-8A40-9ED6-1BF13BAB4A2F}"/>
+              </a:ext>
+            </a:extLst>
+          </p:cNvPr>
+          <p:cNvPicPr>
+            <a:picLocks noChangeAspect="1"/>
+          </p:cNvPicPr>
+          <p:nvPr/>
+        </p:nvPicPr>
+        <p:blipFill>
+          <a:blip r:embed="rId2">
+            <a:extLst>
+              <a:ext uri="{28A0092B-C50C-407E-A947-70E740481C1C}">
+                <a14:useLocalDpi xmlns:a14="http://schemas.microsoft.com/office/drawing/2010/main" val="0"/>
+              </a:ext>
+            </a:extLst>
+          </a:blip>
+          <a:stretch>
+            <a:fillRect/>
+          </a:stretch>
+        </p:blipFill>
+        <p:spPr>
+          <a:xfrm>
+            <a:off x="0" y="441158"/>
+            <a:ext cx="12192000" cy="6416842"/>
+          </a:xfrm>
+          <a:prstGeom prst="rect">
+            <a:avLst/>
+          </a:prstGeom>
+        </p:spPr>
+      </p:pic>
+    </p:spTree>
+    <p:extLst>
+      <p:ext uri="{BB962C8B-B14F-4D97-AF65-F5344CB8AC3E}">
+        <p14:creationId xmlns:p14="http://schemas.microsoft.com/office/powerpoint/2010/main" val="2288260382"/>
+      </p:ext>
+    </p:extLst>
+  </p:cSld>
+  <p:clrMapOvr>
+    <a:masterClrMapping/>
+  </p:clrMapOvr>
+</p:sld>
+</file>
+
+<file path=ppt/slides/slide11.xml><?xml version="1.0" encoding="utf-8"?>
+<p:sld xmlns:a="http://schemas.openxmlformats.org/drawingml/2006/main" xmlns:r="http://schemas.openxmlformats.org/officeDocument/2006/relationships" xmlns:p="http://schemas.openxmlformats.org/presentationml/2006/main">
+  <p:cSld>
+    <p:spTree>
+      <p:nvGrpSpPr>
+        <p:cNvPr id="1" name=""/>
+        <p:cNvGrpSpPr/>
+        <p:nvPr/>
+      </p:nvGrpSpPr>
+      <p:grpSpPr>
+        <a:xfrm>
+          <a:off x="0" y="0"/>
+          <a:ext cx="0" cy="0"/>
+          <a:chOff x="0" y="0"/>
+          <a:chExt cx="0" cy="0"/>
+        </a:xfrm>
+      </p:grpSpPr>
+      <p:pic>
+        <p:nvPicPr>
+          <p:cNvPr id="3" name="Immagine 2">
+            <a:extLst>
+              <a:ext uri="{FF2B5EF4-FFF2-40B4-BE49-F238E27FC236}">
+                <a16:creationId xmlns:a16="http://schemas.microsoft.com/office/drawing/2014/main" id="{C00146DC-4896-CD4D-AC1B-E3C7EDB97CA4}"/>
+              </a:ext>
+            </a:extLst>
+          </p:cNvPr>
+          <p:cNvPicPr>
+            <a:picLocks noChangeAspect="1"/>
+          </p:cNvPicPr>
+          <p:nvPr/>
+        </p:nvPicPr>
+        <p:blipFill>
+          <a:blip r:embed="rId2">
+            <a:extLst>
+              <a:ext uri="{28A0092B-C50C-407E-A947-70E740481C1C}">
+                <a14:useLocalDpi xmlns:a14="http://schemas.microsoft.com/office/drawing/2010/main" val="0"/>
+              </a:ext>
+            </a:extLst>
+          </a:blip>
+          <a:stretch>
+            <a:fillRect/>
+          </a:stretch>
+        </p:blipFill>
+        <p:spPr>
+          <a:xfrm>
+            <a:off x="0" y="762000"/>
+            <a:ext cx="12192000" cy="6096000"/>
+          </a:xfrm>
+          <a:prstGeom prst="rect">
+            <a:avLst/>
+          </a:prstGeom>
+        </p:spPr>
+      </p:pic>
+      <p:sp>
+        <p:nvSpPr>
+          <p:cNvPr id="4" name="CasellaDiTesto 3">
+            <a:extLst>
+              <a:ext uri="{FF2B5EF4-FFF2-40B4-BE49-F238E27FC236}">
+                <a16:creationId xmlns:a16="http://schemas.microsoft.com/office/drawing/2014/main" id="{06CD1F20-3E22-6D4B-A169-AAAAF91EB9B1}"/>
+              </a:ext>
+            </a:extLst>
+          </p:cNvPr>
+          <p:cNvSpPr txBox="1"/>
+          <p:nvPr/>
+        </p:nvSpPr>
+        <p:spPr>
+          <a:xfrm>
+            <a:off x="1224644" y="261257"/>
+            <a:ext cx="10736128" cy="584775"/>
+          </a:xfrm>
+          <a:prstGeom prst="rect">
+            <a:avLst/>
+          </a:prstGeom>
+          <a:noFill/>
+        </p:spPr>
+        <p:txBody>
+          <a:bodyPr wrap="square" rtlCol="0">
+            <a:spAutoFit/>
+          </a:bodyPr>
+          <a:lstStyle/>
+          <a:p>
+            <a:pPr algn="ctr"/>
+            <a:r>
+              <a:rPr lang="it-IT" sz="3200" b="1" dirty="0" err="1">
+                <a:latin typeface="Noto Sans Kannada" panose="020B0502040504020204" pitchFamily="34" charset="0"/>
+                <a:cs typeface="Noto Sans Kannada" panose="020B0502040504020204" pitchFamily="34" charset="0"/>
+              </a:rPr>
+              <a:t>InterArrival</a:t>
+            </a:r>
+            <a:r>
+              <a:rPr lang="it-IT" sz="3200" b="1" dirty="0">
+                <a:latin typeface="Noto Sans Kannada" panose="020B0502040504020204" pitchFamily="34" charset="0"/>
+                <a:cs typeface="Noto Sans Kannada" panose="020B0502040504020204" pitchFamily="34" charset="0"/>
+              </a:rPr>
+              <a:t> Time </a:t>
+            </a:r>
+            <a:r>
+              <a:rPr lang="it-IT" sz="3200" b="1" dirty="0" err="1">
+                <a:latin typeface="Noto Sans Kannada" panose="020B0502040504020204" pitchFamily="34" charset="0"/>
+                <a:cs typeface="Noto Sans Kannada" panose="020B0502040504020204" pitchFamily="34" charset="0"/>
+              </a:rPr>
+              <a:t>boxplot</a:t>
+            </a:r>
+            <a:r>
+              <a:rPr lang="it-IT" sz="3200" b="1" dirty="0">
+                <a:latin typeface="Noto Sans Kannada" panose="020B0502040504020204" pitchFamily="34" charset="0"/>
+                <a:cs typeface="Noto Sans Kannada" panose="020B0502040504020204" pitchFamily="34" charset="0"/>
+              </a:rPr>
+              <a:t> </a:t>
+            </a:r>
+            <a:r>
+              <a:rPr lang="it-IT" sz="3200" b="1" dirty="0" err="1">
+                <a:latin typeface="Noto Sans Kannada" panose="020B0502040504020204" pitchFamily="34" charset="0"/>
+                <a:cs typeface="Noto Sans Kannada" panose="020B0502040504020204" pitchFamily="34" charset="0"/>
+              </a:rPr>
+              <a:t>between</a:t>
+            </a:r>
+            <a:r>
+              <a:rPr lang="it-IT" sz="3200" b="1" dirty="0">
+                <a:latin typeface="Noto Sans Kannada" panose="020B0502040504020204" pitchFamily="34" charset="0"/>
+                <a:cs typeface="Noto Sans Kannada" panose="020B0502040504020204" pitchFamily="34" charset="0"/>
+              </a:rPr>
+              <a:t> TCP and UDP Sessions</a:t>
+            </a:r>
+          </a:p>
+        </p:txBody>
+      </p:sp>
+    </p:spTree>
+    <p:extLst>
+      <p:ext uri="{BB962C8B-B14F-4D97-AF65-F5344CB8AC3E}">
+        <p14:creationId xmlns:p14="http://schemas.microsoft.com/office/powerpoint/2010/main" val="2855674996"/>
+      </p:ext>
+    </p:extLst>
+  </p:cSld>
+  <p:clrMapOvr>
+    <a:masterClrMapping/>
+  </p:clrMapOvr>
+</p:sld>
+</file>
+
+<file path=ppt/slides/slide12.xml><?xml version="1.0" encoding="utf-8"?>
+<p:sld xmlns:a="http://schemas.openxmlformats.org/drawingml/2006/main" xmlns:r="http://schemas.openxmlformats.org/officeDocument/2006/relationships" xmlns:p="http://schemas.openxmlformats.org/presentationml/2006/main">
+  <p:cSld>
+    <p:spTree>
+      <p:nvGrpSpPr>
+        <p:cNvPr id="1" name=""/>
+        <p:cNvGrpSpPr/>
+        <p:nvPr/>
+      </p:nvGrpSpPr>
+      <p:grpSpPr>
+        <a:xfrm>
+          <a:off x="0" y="0"/>
+          <a:ext cx="0" cy="0"/>
+          <a:chOff x="0" y="0"/>
+          <a:chExt cx="0" cy="0"/>
+        </a:xfrm>
+      </p:grpSpPr>
+      <p:pic>
+        <p:nvPicPr>
+          <p:cNvPr id="3" name="Immagine 2">
+            <a:extLst>
+              <a:ext uri="{FF2B5EF4-FFF2-40B4-BE49-F238E27FC236}">
+                <a16:creationId xmlns:a16="http://schemas.microsoft.com/office/drawing/2014/main" id="{740F6924-DE7B-7A4B-AEB0-4A1387E0BBCA}"/>
+              </a:ext>
+            </a:extLst>
+          </p:cNvPr>
+          <p:cNvPicPr>
+            <a:picLocks noChangeAspect="1"/>
+          </p:cNvPicPr>
+          <p:nvPr/>
+        </p:nvPicPr>
+        <p:blipFill>
+          <a:blip r:embed="rId2">
+            <a:extLst>
+              <a:ext uri="{28A0092B-C50C-407E-A947-70E740481C1C}">
+                <a14:useLocalDpi xmlns:a14="http://schemas.microsoft.com/office/drawing/2010/main" val="0"/>
+              </a:ext>
+            </a:extLst>
+          </a:blip>
+          <a:stretch>
+            <a:fillRect/>
+          </a:stretch>
+        </p:blipFill>
+        <p:spPr>
+          <a:xfrm>
+            <a:off x="0" y="3351008"/>
+            <a:ext cx="6096000" cy="3007526"/>
+          </a:xfrm>
+          <a:prstGeom prst="rect">
+            <a:avLst/>
+          </a:prstGeom>
+        </p:spPr>
+      </p:pic>
+      <p:pic>
+        <p:nvPicPr>
+          <p:cNvPr id="5" name="Immagine 4">
+            <a:extLst>
+              <a:ext uri="{FF2B5EF4-FFF2-40B4-BE49-F238E27FC236}">
+                <a16:creationId xmlns:a16="http://schemas.microsoft.com/office/drawing/2014/main" id="{97DC4F95-68B8-364E-B8B6-911083FD6F2D}"/>
+              </a:ext>
+            </a:extLst>
+          </p:cNvPr>
+          <p:cNvPicPr>
+            <a:picLocks noChangeAspect="1"/>
+          </p:cNvPicPr>
+          <p:nvPr/>
+        </p:nvPicPr>
+        <p:blipFill>
+          <a:blip r:embed="rId3">
+            <a:extLst>
+              <a:ext uri="{28A0092B-C50C-407E-A947-70E740481C1C}">
+                <a14:useLocalDpi xmlns:a14="http://schemas.microsoft.com/office/drawing/2010/main" val="0"/>
+              </a:ext>
+            </a:extLst>
+          </a:blip>
+          <a:stretch>
+            <a:fillRect/>
+          </a:stretch>
+        </p:blipFill>
+        <p:spPr>
+          <a:xfrm>
+            <a:off x="6096000" y="3351008"/>
+            <a:ext cx="6096000" cy="3007526"/>
+          </a:xfrm>
+          <a:prstGeom prst="rect">
+            <a:avLst/>
+          </a:prstGeom>
+        </p:spPr>
+      </p:pic>
+      <p:sp>
+        <p:nvSpPr>
+          <p:cNvPr id="8" name="CasellaDiTesto 7">
+            <a:extLst>
+              <a:ext uri="{FF2B5EF4-FFF2-40B4-BE49-F238E27FC236}">
+                <a16:creationId xmlns:a16="http://schemas.microsoft.com/office/drawing/2014/main" id="{7F6175DA-BC3A-0D4A-8E54-FBE9C395B147}"/>
+              </a:ext>
+            </a:extLst>
+          </p:cNvPr>
+          <p:cNvSpPr txBox="1"/>
+          <p:nvPr/>
+        </p:nvSpPr>
+        <p:spPr>
+          <a:xfrm>
+            <a:off x="7559941" y="1427758"/>
+            <a:ext cx="3846786" cy="584775"/>
+          </a:xfrm>
+          <a:prstGeom prst="rect">
+            <a:avLst/>
+          </a:prstGeom>
+          <a:noFill/>
+        </p:spPr>
+        <p:txBody>
+          <a:bodyPr wrap="square" rtlCol="0">
+            <a:spAutoFit/>
+          </a:bodyPr>
+          <a:lstStyle/>
+          <a:p>
+            <a:r>
+              <a:rPr lang="it-IT" sz="3200" b="1" dirty="0">
+                <a:latin typeface="Noto Sans Kannada" panose="020B0502040504020204" pitchFamily="34" charset="0"/>
+                <a:cs typeface="Noto Sans Kannada" panose="020B0502040504020204" pitchFamily="34" charset="0"/>
+              </a:rPr>
+              <a:t>Evaluation </a:t>
+            </a:r>
+            <a:r>
+              <a:rPr lang="it-IT" sz="3200" b="1" dirty="0" err="1">
+                <a:latin typeface="Noto Sans Kannada" panose="020B0502040504020204" pitchFamily="34" charset="0"/>
+                <a:cs typeface="Noto Sans Kannada" panose="020B0502040504020204" pitchFamily="34" charset="0"/>
+              </a:rPr>
+              <a:t>about</a:t>
+            </a:r>
+            <a:r>
+              <a:rPr lang="it-IT" sz="3200" b="1" dirty="0">
+                <a:latin typeface="Noto Sans Kannada" panose="020B0502040504020204" pitchFamily="34" charset="0"/>
+                <a:cs typeface="Noto Sans Kannada" panose="020B0502040504020204" pitchFamily="34" charset="0"/>
+              </a:rPr>
+              <a:t> TTL</a:t>
+            </a:r>
+          </a:p>
+        </p:txBody>
+      </p:sp>
+      <p:pic>
+        <p:nvPicPr>
+          <p:cNvPr id="10" name="Immagine 9">
+            <a:extLst>
+              <a:ext uri="{FF2B5EF4-FFF2-40B4-BE49-F238E27FC236}">
+                <a16:creationId xmlns:a16="http://schemas.microsoft.com/office/drawing/2014/main" id="{1F8D465C-BC85-7E48-B19D-DE014A340BEB}"/>
+              </a:ext>
+            </a:extLst>
+          </p:cNvPr>
+          <p:cNvPicPr>
+            <a:picLocks noChangeAspect="1"/>
+          </p:cNvPicPr>
+          <p:nvPr/>
+        </p:nvPicPr>
+        <p:blipFill>
+          <a:blip r:embed="rId4">
+            <a:extLst>
+              <a:ext uri="{28A0092B-C50C-407E-A947-70E740481C1C}">
+                <a14:useLocalDpi xmlns:a14="http://schemas.microsoft.com/office/drawing/2010/main" val="0"/>
+              </a:ext>
+            </a:extLst>
+          </a:blip>
+          <a:stretch>
+            <a:fillRect/>
+          </a:stretch>
+        </p:blipFill>
+        <p:spPr>
+          <a:xfrm>
+            <a:off x="0" y="0"/>
+            <a:ext cx="5823857" cy="2873261"/>
+          </a:xfrm>
+          <a:prstGeom prst="rect">
+            <a:avLst/>
+          </a:prstGeom>
+        </p:spPr>
+      </p:pic>
+    </p:spTree>
+    <p:extLst>
+      <p:ext uri="{BB962C8B-B14F-4D97-AF65-F5344CB8AC3E}">
+        <p14:creationId xmlns:p14="http://schemas.microsoft.com/office/powerpoint/2010/main" val="3615289359"/>
+      </p:ext>
+    </p:extLst>
+  </p:cSld>
+  <p:clrMapOvr>
+    <a:masterClrMapping/>
+  </p:clrMapOvr>
+</p:sld>
+</file>
+
+<file path=ppt/slides/slide13.xml><?xml version="1.0" encoding="utf-8"?>
+<p:sld xmlns:a="http://schemas.openxmlformats.org/drawingml/2006/main" xmlns:r="http://schemas.openxmlformats.org/officeDocument/2006/relationships" xmlns:p="http://schemas.openxmlformats.org/presentationml/2006/main">
+  <p:cSld>
+    <p:spTree>
+      <p:nvGrpSpPr>
+        <p:cNvPr id="1" name=""/>
+        <p:cNvGrpSpPr/>
+        <p:nvPr/>
+      </p:nvGrpSpPr>
+      <p:grpSpPr>
+        <a:xfrm>
+          <a:off x="0" y="0"/>
+          <a:ext cx="0" cy="0"/>
+          <a:chOff x="0" y="0"/>
+          <a:chExt cx="0" cy="0"/>
+        </a:xfrm>
+      </p:grpSpPr>
+      <p:pic>
+        <p:nvPicPr>
+          <p:cNvPr id="3" name="Immagine 2">
+            <a:extLst>
+              <a:ext uri="{FF2B5EF4-FFF2-40B4-BE49-F238E27FC236}">
+                <a16:creationId xmlns:a16="http://schemas.microsoft.com/office/drawing/2014/main" id="{F8FFE7DE-8436-2B4D-94EC-7BD5A2EF505F}"/>
+              </a:ext>
+            </a:extLst>
+          </p:cNvPr>
+          <p:cNvPicPr>
+            <a:picLocks noChangeAspect="1"/>
+          </p:cNvPicPr>
+          <p:nvPr/>
+        </p:nvPicPr>
+        <p:blipFill>
+          <a:blip r:embed="rId2">
+            <a:extLst>
+              <a:ext uri="{28A0092B-C50C-407E-A947-70E740481C1C}">
+                <a14:useLocalDpi xmlns:a14="http://schemas.microsoft.com/office/drawing/2010/main" val="0"/>
+              </a:ext>
+            </a:extLst>
+          </a:blip>
+          <a:stretch>
+            <a:fillRect/>
+          </a:stretch>
+        </p:blipFill>
+        <p:spPr>
+          <a:xfrm>
+            <a:off x="0" y="-33930"/>
+            <a:ext cx="7073462" cy="6891930"/>
+          </a:xfrm>
+          <a:prstGeom prst="rect">
+            <a:avLst/>
+          </a:prstGeom>
+        </p:spPr>
+      </p:pic>
+      <p:sp>
+        <p:nvSpPr>
+          <p:cNvPr id="4" name="CasellaDiTesto 3">
+            <a:extLst>
+              <a:ext uri="{FF2B5EF4-FFF2-40B4-BE49-F238E27FC236}">
+                <a16:creationId xmlns:a16="http://schemas.microsoft.com/office/drawing/2014/main" id="{9CDB1464-B7AF-304D-9E4E-8E52935EEAE7}"/>
+              </a:ext>
+            </a:extLst>
+          </p:cNvPr>
+          <p:cNvSpPr txBox="1"/>
+          <p:nvPr/>
+        </p:nvSpPr>
+        <p:spPr>
+          <a:xfrm>
+            <a:off x="7335281" y="259380"/>
+            <a:ext cx="4677103" cy="1077218"/>
+          </a:xfrm>
+          <a:prstGeom prst="rect">
+            <a:avLst/>
+          </a:prstGeom>
+          <a:noFill/>
+        </p:spPr>
+        <p:txBody>
+          <a:bodyPr wrap="square" rtlCol="0">
+            <a:spAutoFit/>
+          </a:bodyPr>
+          <a:lstStyle/>
+          <a:p>
+            <a:r>
+              <a:rPr lang="it-IT" sz="3200" b="1" dirty="0" err="1">
+                <a:latin typeface="Noto Sans Kannada" panose="020B0502040504020204" pitchFamily="34" charset="0"/>
+                <a:cs typeface="Noto Sans Kannada" panose="020B0502040504020204" pitchFamily="34" charset="0"/>
+              </a:rPr>
+              <a:t>Topology</a:t>
+            </a:r>
+            <a:r>
+              <a:rPr lang="it-IT" sz="3200" b="1" dirty="0">
+                <a:latin typeface="Noto Sans Kannada" panose="020B0502040504020204" pitchFamily="34" charset="0"/>
+                <a:cs typeface="Noto Sans Kannada" panose="020B0502040504020204" pitchFamily="34" charset="0"/>
+              </a:rPr>
+              <a:t> of the network </a:t>
+            </a:r>
+            <a:r>
+              <a:rPr lang="it-IT" sz="3200" b="1" dirty="0" err="1">
+                <a:latin typeface="Noto Sans Kannada" panose="020B0502040504020204" pitchFamily="34" charset="0"/>
+                <a:cs typeface="Noto Sans Kannada" panose="020B0502040504020204" pitchFamily="34" charset="0"/>
+              </a:rPr>
+              <a:t>using</a:t>
+            </a:r>
+            <a:r>
+              <a:rPr lang="it-IT" sz="3200" b="1" dirty="0">
+                <a:latin typeface="Noto Sans Kannada" panose="020B0502040504020204" pitchFamily="34" charset="0"/>
+                <a:cs typeface="Noto Sans Kannada" panose="020B0502040504020204" pitchFamily="34" charset="0"/>
+              </a:rPr>
+              <a:t> </a:t>
+            </a:r>
+            <a:r>
+              <a:rPr lang="it-IT" sz="3200" b="1" dirty="0" err="1">
+                <a:latin typeface="Noto Sans Kannada" panose="020B0502040504020204" pitchFamily="34" charset="0"/>
+                <a:cs typeface="Noto Sans Kannada" panose="020B0502040504020204" pitchFamily="34" charset="0"/>
+              </a:rPr>
+              <a:t>networkx</a:t>
+            </a:r>
+            <a:endParaRPr lang="it-IT" sz="3200" b="1" dirty="0">
+              <a:latin typeface="Noto Sans Kannada" panose="020B0502040504020204" pitchFamily="34" charset="0"/>
+              <a:cs typeface="Noto Sans Kannada" panose="020B0502040504020204" pitchFamily="34" charset="0"/>
+            </a:endParaRPr>
+          </a:p>
+        </p:txBody>
+      </p:sp>
+      <p:sp>
+        <p:nvSpPr>
+          <p:cNvPr id="5" name="CasellaDiTesto 4">
+            <a:extLst>
+              <a:ext uri="{FF2B5EF4-FFF2-40B4-BE49-F238E27FC236}">
+                <a16:creationId xmlns:a16="http://schemas.microsoft.com/office/drawing/2014/main" id="{BD7D30C5-5224-ED4C-923D-9F3795FDE80E}"/>
+              </a:ext>
+            </a:extLst>
+          </p:cNvPr>
+          <p:cNvSpPr txBox="1"/>
+          <p:nvPr/>
+        </p:nvSpPr>
+        <p:spPr>
+          <a:xfrm>
+            <a:off x="7335281" y="1524000"/>
+            <a:ext cx="4236608" cy="1169551"/>
+          </a:xfrm>
+          <a:prstGeom prst="rect">
+            <a:avLst/>
+          </a:prstGeom>
+          <a:noFill/>
+        </p:spPr>
+        <p:txBody>
+          <a:bodyPr wrap="square" rtlCol="0">
+            <a:spAutoFit/>
+          </a:bodyPr>
+          <a:lstStyle/>
+          <a:p>
+            <a:r>
+              <a:rPr lang="it-IT" sz="1400" b="1" i="1" dirty="0"/>
+              <a:t>Code:</a:t>
+            </a:r>
+            <a:endParaRPr lang="it-IT" sz="1400" i="1" dirty="0"/>
+          </a:p>
+          <a:p>
+            <a:r>
+              <a:rPr lang="it-IT" sz="1400" i="1" dirty="0" err="1"/>
+              <a:t>df.groupby</a:t>
+            </a:r>
+            <a:r>
+              <a:rPr lang="it-IT" sz="1400" i="1" dirty="0"/>
+              <a:t>(["IP_SRC","IP_DST"])[["</a:t>
+            </a:r>
+            <a:r>
+              <a:rPr lang="it-IT" sz="1400" i="1" dirty="0" err="1"/>
+              <a:t>length</a:t>
+            </a:r>
+            <a:r>
+              <a:rPr lang="it-IT" sz="1400" i="1" dirty="0"/>
+              <a:t>"]].</a:t>
+            </a:r>
+            <a:r>
+              <a:rPr lang="it-IT" sz="1400" i="1" dirty="0" err="1"/>
+              <a:t>agg</a:t>
+            </a:r>
+            <a:r>
+              <a:rPr lang="it-IT" sz="1400" i="1" dirty="0"/>
+              <a:t>('sum’).</a:t>
+            </a:r>
+          </a:p>
+          <a:p>
+            <a:r>
+              <a:rPr lang="it-IT" sz="1400" i="1" dirty="0" err="1"/>
+              <a:t>sort_values</a:t>
+            </a:r>
+            <a:r>
+              <a:rPr lang="it-IT" sz="1400" i="1" dirty="0"/>
+              <a:t>(by=["</a:t>
+            </a:r>
+            <a:r>
+              <a:rPr lang="it-IT" sz="1400" i="1" dirty="0" err="1"/>
+              <a:t>length</a:t>
+            </a:r>
+            <a:r>
+              <a:rPr lang="it-IT" sz="1400" i="1" dirty="0"/>
+              <a:t>"],</a:t>
+            </a:r>
+            <a:r>
+              <a:rPr lang="it-IT" sz="1400" i="1" dirty="0" err="1"/>
+              <a:t>ascending</a:t>
+            </a:r>
+            <a:r>
+              <a:rPr lang="it-IT" sz="1400" i="1" dirty="0"/>
+              <a:t>= False)</a:t>
+            </a:r>
+          </a:p>
+          <a:p>
+            <a:endParaRPr lang="it-IT" sz="1400" i="1" dirty="0"/>
+          </a:p>
+          <a:p>
+            <a:endParaRPr lang="it-IT" sz="1400" i="1" dirty="0"/>
+          </a:p>
+        </p:txBody>
+      </p:sp>
+    </p:spTree>
+    <p:extLst>
+      <p:ext uri="{BB962C8B-B14F-4D97-AF65-F5344CB8AC3E}">
+        <p14:creationId xmlns:p14="http://schemas.microsoft.com/office/powerpoint/2010/main" val="25677922"/>
+      </p:ext>
+    </p:extLst>
+  </p:cSld>
+  <p:clrMapOvr>
+    <a:masterClrMapping/>
+  </p:clrMapOvr>
+</p:sld>
+</file>
+
 <file path=ppt/slides/slide2.xml><?xml version="1.0" encoding="utf-8"?>
 <p:sld xmlns:a="http://schemas.openxmlformats.org/drawingml/2006/main" xmlns:r="http://schemas.openxmlformats.org/officeDocument/2006/relationships" xmlns:p="http://schemas.openxmlformats.org/presentationml/2006/main">
   <p:cSld>
@@ -5860,6 +6491,42 @@
           <a:chExt cx="0" cy="0"/>
         </a:xfrm>
       </p:grpSpPr>
+      <p:pic>
+        <p:nvPicPr>
+          <p:cNvPr id="3" name="Immagine 2">
+            <a:extLst>
+              <a:ext uri="{FF2B5EF4-FFF2-40B4-BE49-F238E27FC236}">
+                <a16:creationId xmlns:a16="http://schemas.microsoft.com/office/drawing/2014/main" id="{784FC660-B7C8-C845-B55B-8D747881EFD0}"/>
+              </a:ext>
+            </a:extLst>
+          </p:cNvPr>
+          <p:cNvPicPr>
+            <a:picLocks noChangeAspect="1"/>
+          </p:cNvPicPr>
+          <p:nvPr/>
+        </p:nvPicPr>
+        <p:blipFill>
+          <a:blip r:embed="rId2">
+            <a:extLst>
+              <a:ext uri="{28A0092B-C50C-407E-A947-70E740481C1C}">
+                <a14:useLocalDpi xmlns:a14="http://schemas.microsoft.com/office/drawing/2010/main" val="0"/>
+              </a:ext>
+            </a:extLst>
+          </a:blip>
+          <a:stretch>
+            <a:fillRect/>
+          </a:stretch>
+        </p:blipFill>
+        <p:spPr>
+          <a:xfrm>
+            <a:off x="0" y="80836"/>
+            <a:ext cx="12192000" cy="6696327"/>
+          </a:xfrm>
+          <a:prstGeom prst="rect">
+            <a:avLst/>
+          </a:prstGeom>
+        </p:spPr>
+      </p:pic>
     </p:spTree>
     <p:extLst>
       <p:ext uri="{BB962C8B-B14F-4D97-AF65-F5344CB8AC3E}">
@@ -5890,6 +6557,72 @@
           <a:chExt cx="0" cy="0"/>
         </a:xfrm>
       </p:grpSpPr>
+    </p:spTree>
+    <p:extLst>
+      <p:ext uri="{BB962C8B-B14F-4D97-AF65-F5344CB8AC3E}">
+        <p14:creationId xmlns:p14="http://schemas.microsoft.com/office/powerpoint/2010/main" val="2393887003"/>
+      </p:ext>
+    </p:extLst>
+  </p:cSld>
+  <p:clrMapOvr>
+    <a:masterClrMapping/>
+  </p:clrMapOvr>
+</p:sld>
+</file>
+
+<file path=ppt/slides/slide9.xml><?xml version="1.0" encoding="utf-8"?>
+<p:sld xmlns:a="http://schemas.openxmlformats.org/drawingml/2006/main" xmlns:r="http://schemas.openxmlformats.org/officeDocument/2006/relationships" xmlns:p="http://schemas.openxmlformats.org/presentationml/2006/main">
+  <p:cSld>
+    <p:spTree>
+      <p:nvGrpSpPr>
+        <p:cNvPr id="1" name=""/>
+        <p:cNvGrpSpPr/>
+        <p:nvPr/>
+      </p:nvGrpSpPr>
+      <p:grpSpPr>
+        <a:xfrm>
+          <a:off x="0" y="0"/>
+          <a:ext cx="0" cy="0"/>
+          <a:chOff x="0" y="0"/>
+          <a:chExt cx="0" cy="0"/>
+        </a:xfrm>
+      </p:grpSpPr>
+      <p:pic>
+        <p:nvPicPr>
+          <p:cNvPr id="3" name="Immagine 2">
+            <a:extLst>
+              <a:ext uri="{FF2B5EF4-FFF2-40B4-BE49-F238E27FC236}">
+                <a16:creationId xmlns:a16="http://schemas.microsoft.com/office/drawing/2014/main" id="{A6D877AF-BE3C-B846-905B-C0DCB0726CBA}"/>
+              </a:ext>
+            </a:extLst>
+          </p:cNvPr>
+          <p:cNvPicPr>
+            <a:picLocks noChangeAspect="1"/>
+          </p:cNvPicPr>
+          <p:nvPr/>
+        </p:nvPicPr>
+        <p:blipFill>
+          <a:blip r:embed="rId2">
+            <a:extLst>
+              <a:ext uri="{28A0092B-C50C-407E-A947-70E740481C1C}">
+                <a14:useLocalDpi xmlns:a14="http://schemas.microsoft.com/office/drawing/2010/main" val="0"/>
+              </a:ext>
+            </a:extLst>
+          </a:blip>
+          <a:stretch>
+            <a:fillRect/>
+          </a:stretch>
+        </p:blipFill>
+        <p:spPr>
+          <a:xfrm>
+            <a:off x="0" y="420705"/>
+            <a:ext cx="12192000" cy="6016589"/>
+          </a:xfrm>
+          <a:prstGeom prst="rect">
+            <a:avLst/>
+          </a:prstGeom>
+        </p:spPr>
+      </p:pic>
     </p:spTree>
     <p:extLst>
       <p:ext uri="{BB962C8B-B14F-4D97-AF65-F5344CB8AC3E}">
